--- a/ODD/materials/part6_summary.pptx
+++ b/ODD/materials/part6_summary.pptx
@@ -11,8 +11,8 @@
     <p:sldId id="321" r:id="rId2"/>
     <p:sldId id="339" r:id="rId3"/>
     <p:sldId id="340" r:id="rId4"/>
-    <p:sldId id="342" r:id="rId5"/>
-    <p:sldId id="341" r:id="rId6"/>
+    <p:sldId id="341" r:id="rId5"/>
+    <p:sldId id="342" r:id="rId6"/>
     <p:sldId id="324" r:id="rId7"/>
   </p:sldIdLst>
   <p:sldSz cx="9144000" cy="5143500" type="screen16x9"/>
@@ -5110,13 +5110,8 @@
             </a:pPr>
             <a:r>
               <a:rPr lang="en-US" dirty="0"/>
-              <a:t>how to write readable </a:t>
-            </a:r>
-            <a:r>
-              <a:rPr lang="en-US"/>
-              <a:t>and maintainable code</a:t>
-            </a:r>
-            <a:endParaRPr lang="en-US" dirty="0"/>
+              <a:t>how to write better code by detecting code smells and how to avoid them</a:t>
+            </a:r>
           </a:p>
           <a:p>
             <a:pPr marL="285750" indent="-285750">
@@ -5218,96 +5213,6 @@
           </a:p>
         </p:txBody>
       </p:sp>
-      <p:sp>
-        <p:nvSpPr>
-          <p:cNvPr id="2" name="Oval 1">
-            <a:extLst>
-              <a:ext uri="{FF2B5EF4-FFF2-40B4-BE49-F238E27FC236}">
-                <a16:creationId xmlns:a16="http://schemas.microsoft.com/office/drawing/2014/main" id="{2BF146E1-7644-18FA-A958-2DCB5AB32BE7}"/>
-              </a:ext>
-            </a:extLst>
-          </p:cNvPr>
-          <p:cNvSpPr/>
-          <p:nvPr/>
-        </p:nvSpPr>
-        <p:spPr>
-          <a:xfrm>
-            <a:off x="8006576" y="200722"/>
-            <a:ext cx="1338146" cy="1393902"/>
-          </a:xfrm>
-          <a:prstGeom prst="ellipse">
-            <a:avLst/>
-          </a:prstGeom>
-          <a:solidFill>
-            <a:srgbClr val="FF0000"/>
-          </a:solidFill>
-          <a:ln w="25400" cap="flat">
-            <a:solidFill>
-              <a:srgbClr val="FF0000"/>
-            </a:solidFill>
-            <a:prstDash val="solid"/>
-            <a:round/>
-          </a:ln>
-          <a:effectLst>
-            <a:outerShdw blurRad="38100" dist="23000" dir="5400000" rotWithShape="0">
-              <a:srgbClr val="000000">
-                <a:alpha val="35000"/>
-              </a:srgbClr>
-            </a:outerShdw>
-          </a:effectLst>
-          <a:sp3d/>
-        </p:spPr>
-        <p:style>
-          <a:lnRef idx="0">
-            <a:scrgbClr r="0" g="0" b="0"/>
-          </a:lnRef>
-          <a:fillRef idx="0">
-            <a:scrgbClr r="0" g="0" b="0"/>
-          </a:fillRef>
-          <a:effectRef idx="0">
-            <a:scrgbClr r="0" g="0" b="0"/>
-          </a:effectRef>
-          <a:fontRef idx="none"/>
-        </p:style>
-        <p:txBody>
-          <a:bodyPr rot="0" spcFirstLastPara="1" vertOverflow="overflow" horzOverflow="overflow" vert="horz" wrap="square" lIns="45719" tIns="45719" rIns="45719" bIns="45719" numCol="1" spcCol="38100" rtlCol="0" anchor="ctr">
-            <a:spAutoFit/>
-          </a:bodyPr>
-          <a:lstStyle/>
-          <a:p>
-            <a:pPr marL="0" marR="0" indent="0" algn="l" defTabSz="914400" rtl="0" fontAlgn="auto" latinLnBrk="0" hangingPunct="0">
-              <a:lnSpc>
-                <a:spcPct val="100000"/>
-              </a:lnSpc>
-              <a:spcBef>
-                <a:spcPts val="0"/>
-              </a:spcBef>
-              <a:spcAft>
-                <a:spcPts val="0"/>
-              </a:spcAft>
-              <a:buClrTx/>
-              <a:buSzTx/>
-              <a:buFontTx/>
-              <a:buNone/>
-              <a:tabLst/>
-            </a:pPr>
-            <a:endParaRPr kumimoji="0" lang="de-DE" sz="1400" b="0" i="0" u="none" strike="noStrike" cap="none" spc="0" normalizeH="0" baseline="0">
-              <a:ln>
-                <a:noFill/>
-              </a:ln>
-              <a:solidFill>
-                <a:srgbClr val="000000"/>
-              </a:solidFill>
-              <a:effectLst/>
-              <a:uFillTx/>
-              <a:latin typeface="+mj-lt"/>
-              <a:ea typeface="+mj-ea"/>
-              <a:cs typeface="+mj-cs"/>
-              <a:sym typeface="Arial"/>
-            </a:endParaRPr>
-          </a:p>
-        </p:txBody>
-      </p:sp>
     </p:spTree>
     <p:extLst>
       <p:ext uri="{BB962C8B-B14F-4D97-AF65-F5344CB8AC3E}">
@@ -5323,6 +5228,160 @@
 </file>
 
 <file path=ppt/slides/slide4.xml><?xml version="1.0" encoding="utf-8"?>
+<p:sld xmlns:a="http://schemas.openxmlformats.org/drawingml/2006/main" xmlns:r="http://schemas.openxmlformats.org/officeDocument/2006/relationships" xmlns:p="http://schemas.openxmlformats.org/presentationml/2006/main">
+  <p:cSld>
+    <p:spTree>
+      <p:nvGrpSpPr>
+        <p:cNvPr id="1" name=""/>
+        <p:cNvGrpSpPr/>
+        <p:nvPr/>
+      </p:nvGrpSpPr>
+      <p:grpSpPr>
+        <a:xfrm>
+          <a:off x="0" y="0"/>
+          <a:ext cx="0" cy="0"/>
+          <a:chOff x="0" y="0"/>
+          <a:chExt cx="0" cy="0"/>
+        </a:xfrm>
+      </p:grpSpPr>
+      <p:sp>
+        <p:nvSpPr>
+          <p:cNvPr id="1044" name="Google Shape;318;p35"/>
+          <p:cNvSpPr txBox="1">
+            <a:spLocks noGrp="1"/>
+          </p:cNvSpPr>
+          <p:nvPr>
+            <p:ph type="title" idx="4294967295"/>
+          </p:nvPr>
+        </p:nvSpPr>
+        <p:spPr>
+          <a:xfrm>
+            <a:off x="685800" y="1811950"/>
+            <a:ext cx="7165427" cy="1159801"/>
+          </a:xfrm>
+          <a:prstGeom prst="rect">
+            <a:avLst/>
+          </a:prstGeom>
+        </p:spPr>
+        <p:txBody>
+          <a:bodyPr>
+            <a:normAutofit/>
+          </a:bodyPr>
+          <a:lstStyle>
+            <a:lvl1pPr>
+              <a:defRPr sz="5400"/>
+            </a:lvl1pPr>
+          </a:lstStyle>
+          <a:p>
+            <a:r>
+              <a:rPr lang="en-US" dirty="0"/>
+              <a:t>Buon </a:t>
+            </a:r>
+            <a:r>
+              <a:rPr lang="en-US" dirty="0" err="1"/>
+              <a:t>appetito</a:t>
+            </a:r>
+            <a:endParaRPr dirty="0"/>
+          </a:p>
+        </p:txBody>
+      </p:sp>
+      <p:sp>
+        <p:nvSpPr>
+          <p:cNvPr id="1045" name="Google Shape;319;p35"/>
+          <p:cNvSpPr txBox="1">
+            <a:spLocks noGrp="1"/>
+          </p:cNvSpPr>
+          <p:nvPr>
+            <p:ph type="body" sz="quarter" idx="4294967295"/>
+          </p:nvPr>
+        </p:nvSpPr>
+        <p:spPr>
+          <a:xfrm>
+            <a:off x="685801" y="2491572"/>
+            <a:ext cx="4286101" cy="2015701"/>
+          </a:xfrm>
+          <a:prstGeom prst="rect">
+            <a:avLst/>
+          </a:prstGeom>
+        </p:spPr>
+        <p:txBody>
+          <a:bodyPr anchor="b">
+            <a:normAutofit/>
+          </a:bodyPr>
+          <a:lstStyle>
+            <a:lvl1pPr marL="0" indent="0">
+              <a:buSzTx/>
+              <a:buNone/>
+              <a:defRPr>
+                <a:latin typeface="Avenir Heavy"/>
+                <a:ea typeface="Avenir Heavy"/>
+                <a:cs typeface="Avenir Heavy"/>
+                <a:sym typeface="Avenir Heavy"/>
+              </a:defRPr>
+            </a:lvl1pPr>
+          </a:lstStyle>
+          <a:p>
+            <a:r>
+              <a:rPr lang="da-DK" sz="3600" i="1" dirty="0"/>
+              <a:t>Q</a:t>
+            </a:r>
+            <a:r>
+              <a:rPr sz="3600" i="1" dirty="0" err="1"/>
+              <a:t>uestions</a:t>
+            </a:r>
+            <a:r>
+              <a:rPr sz="3600" i="1" dirty="0"/>
+              <a:t>?</a:t>
+            </a:r>
+          </a:p>
+        </p:txBody>
+      </p:sp>
+      <p:pic>
+        <p:nvPicPr>
+          <p:cNvPr id="2" name="Grafik 1" descr="Ganze Pizza mit einfarbiger Füllung">
+            <a:extLst>
+              <a:ext uri="{FF2B5EF4-FFF2-40B4-BE49-F238E27FC236}">
+                <a16:creationId xmlns:a16="http://schemas.microsoft.com/office/drawing/2014/main" id="{D3575638-B761-78AA-5DF7-B7454F51267E}"/>
+              </a:ext>
+            </a:extLst>
+          </p:cNvPr>
+          <p:cNvPicPr>
+            <a:picLocks noChangeAspect="1"/>
+          </p:cNvPicPr>
+          <p:nvPr/>
+        </p:nvPicPr>
+        <p:blipFill>
+          <a:blip r:embed="rId2">
+            <a:extLst>
+              <a:ext uri="{96DAC541-7B7A-43D3-8B79-37D633B846F1}">
+                <asvg:svgBlip xmlns:asvg="http://schemas.microsoft.com/office/drawing/2016/SVG/main" r:embed="rId3"/>
+              </a:ext>
+            </a:extLst>
+          </a:blip>
+          <a:stretch>
+            <a:fillRect/>
+          </a:stretch>
+        </p:blipFill>
+        <p:spPr>
+          <a:xfrm>
+            <a:off x="6895476" y="551074"/>
+            <a:ext cx="1582351" cy="1582351"/>
+          </a:xfrm>
+          <a:prstGeom prst="rect">
+            <a:avLst/>
+          </a:prstGeom>
+        </p:spPr>
+      </p:pic>
+    </p:spTree>
+  </p:cSld>
+  <p:clrMapOvr>
+    <a:masterClrMapping/>
+  </p:clrMapOvr>
+  <p:transition spd="med"/>
+</p:sld>
+</file>
+
+<file path=ppt/slides/slide5.xml><?xml version="1.0" encoding="utf-8"?>
 <p:sld xmlns:a="http://schemas.openxmlformats.org/drawingml/2006/main" xmlns:r="http://schemas.openxmlformats.org/officeDocument/2006/relationships" xmlns:p="http://schemas.openxmlformats.org/presentationml/2006/main">
   <p:cSld>
     <p:spTree>
@@ -5544,160 +5603,6 @@
         <p14:creationId xmlns:p14="http://schemas.microsoft.com/office/powerpoint/2010/main" val="1732533988"/>
       </p:ext>
     </p:extLst>
-  </p:cSld>
-  <p:clrMapOvr>
-    <a:masterClrMapping/>
-  </p:clrMapOvr>
-  <p:transition spd="med"/>
-</p:sld>
-</file>
-
-<file path=ppt/slides/slide5.xml><?xml version="1.0" encoding="utf-8"?>
-<p:sld xmlns:a="http://schemas.openxmlformats.org/drawingml/2006/main" xmlns:r="http://schemas.openxmlformats.org/officeDocument/2006/relationships" xmlns:p="http://schemas.openxmlformats.org/presentationml/2006/main">
-  <p:cSld>
-    <p:spTree>
-      <p:nvGrpSpPr>
-        <p:cNvPr id="1" name=""/>
-        <p:cNvGrpSpPr/>
-        <p:nvPr/>
-      </p:nvGrpSpPr>
-      <p:grpSpPr>
-        <a:xfrm>
-          <a:off x="0" y="0"/>
-          <a:ext cx="0" cy="0"/>
-          <a:chOff x="0" y="0"/>
-          <a:chExt cx="0" cy="0"/>
-        </a:xfrm>
-      </p:grpSpPr>
-      <p:sp>
-        <p:nvSpPr>
-          <p:cNvPr id="1044" name="Google Shape;318;p35"/>
-          <p:cNvSpPr txBox="1">
-            <a:spLocks noGrp="1"/>
-          </p:cNvSpPr>
-          <p:nvPr>
-            <p:ph type="title" idx="4294967295"/>
-          </p:nvPr>
-        </p:nvSpPr>
-        <p:spPr>
-          <a:xfrm>
-            <a:off x="685800" y="1811950"/>
-            <a:ext cx="7165427" cy="1159801"/>
-          </a:xfrm>
-          <a:prstGeom prst="rect">
-            <a:avLst/>
-          </a:prstGeom>
-        </p:spPr>
-        <p:txBody>
-          <a:bodyPr>
-            <a:normAutofit/>
-          </a:bodyPr>
-          <a:lstStyle>
-            <a:lvl1pPr>
-              <a:defRPr sz="5400"/>
-            </a:lvl1pPr>
-          </a:lstStyle>
-          <a:p>
-            <a:r>
-              <a:rPr lang="en-US" dirty="0"/>
-              <a:t>Buon </a:t>
-            </a:r>
-            <a:r>
-              <a:rPr lang="en-US" dirty="0" err="1"/>
-              <a:t>appetito</a:t>
-            </a:r>
-            <a:endParaRPr dirty="0"/>
-          </a:p>
-        </p:txBody>
-      </p:sp>
-      <p:sp>
-        <p:nvSpPr>
-          <p:cNvPr id="1045" name="Google Shape;319;p35"/>
-          <p:cNvSpPr txBox="1">
-            <a:spLocks noGrp="1"/>
-          </p:cNvSpPr>
-          <p:nvPr>
-            <p:ph type="body" sz="quarter" idx="4294967295"/>
-          </p:nvPr>
-        </p:nvSpPr>
-        <p:spPr>
-          <a:xfrm>
-            <a:off x="685801" y="2491572"/>
-            <a:ext cx="4286101" cy="2015701"/>
-          </a:xfrm>
-          <a:prstGeom prst="rect">
-            <a:avLst/>
-          </a:prstGeom>
-        </p:spPr>
-        <p:txBody>
-          <a:bodyPr anchor="b">
-            <a:normAutofit/>
-          </a:bodyPr>
-          <a:lstStyle>
-            <a:lvl1pPr marL="0" indent="0">
-              <a:buSzTx/>
-              <a:buNone/>
-              <a:defRPr>
-                <a:latin typeface="Avenir Heavy"/>
-                <a:ea typeface="Avenir Heavy"/>
-                <a:cs typeface="Avenir Heavy"/>
-                <a:sym typeface="Avenir Heavy"/>
-              </a:defRPr>
-            </a:lvl1pPr>
-          </a:lstStyle>
-          <a:p>
-            <a:r>
-              <a:rPr lang="da-DK" sz="3600" i="1" dirty="0"/>
-              <a:t>Q</a:t>
-            </a:r>
-            <a:r>
-              <a:rPr sz="3600" i="1" dirty="0" err="1"/>
-              <a:t>uestions</a:t>
-            </a:r>
-            <a:r>
-              <a:rPr sz="3600" i="1" dirty="0"/>
-              <a:t>?</a:t>
-            </a:r>
-          </a:p>
-        </p:txBody>
-      </p:sp>
-      <p:pic>
-        <p:nvPicPr>
-          <p:cNvPr id="2" name="Grafik 1" descr="Ganze Pizza mit einfarbiger Füllung">
-            <a:extLst>
-              <a:ext uri="{FF2B5EF4-FFF2-40B4-BE49-F238E27FC236}">
-                <a16:creationId xmlns:a16="http://schemas.microsoft.com/office/drawing/2014/main" id="{D3575638-B761-78AA-5DF7-B7454F51267E}"/>
-              </a:ext>
-            </a:extLst>
-          </p:cNvPr>
-          <p:cNvPicPr>
-            <a:picLocks noChangeAspect="1"/>
-          </p:cNvPicPr>
-          <p:nvPr/>
-        </p:nvPicPr>
-        <p:blipFill>
-          <a:blip r:embed="rId2">
-            <a:extLst>
-              <a:ext uri="{96DAC541-7B7A-43D3-8B79-37D633B846F1}">
-                <asvg:svgBlip xmlns:asvg="http://schemas.microsoft.com/office/drawing/2016/SVG/main" r:embed="rId3"/>
-              </a:ext>
-            </a:extLst>
-          </a:blip>
-          <a:stretch>
-            <a:fillRect/>
-          </a:stretch>
-        </p:blipFill>
-        <p:spPr>
-          <a:xfrm>
-            <a:off x="6895476" y="551074"/>
-            <a:ext cx="1582351" cy="1582351"/>
-          </a:xfrm>
-          <a:prstGeom prst="rect">
-            <a:avLst/>
-          </a:prstGeom>
-        </p:spPr>
-      </p:pic>
-    </p:spTree>
   </p:cSld>
   <p:clrMapOvr>
     <a:masterClrMapping/>
